--- a/Document/ポスター.pptx
+++ b/Document/ポスター.pptx
@@ -109,6 +109,11 @@
       </a:defRPr>
     </a:lvl9pPr>
   </p:defaultTextStyle>
+  <p:extLst>
+    <p:ext uri="{EFAFB233-063F-42B5-8137-9DF3F51BA10A}">
+      <p15:sldGuideLst xmlns:p15="http://schemas.microsoft.com/office/powerpoint/2012/main"/>
+    </p:ext>
+  </p:extLst>
 </p:presentation>
 </file>
 
@@ -243,7 +248,7 @@
           <a:p>
             <a:fld id="{41F47FF5-0917-4694-B8C0-1A8E8343060F}" type="datetimeFigureOut">
               <a:rPr kumimoji="1" lang="ja-JP" altLang="en-US" smtClean="0"/>
-              <a:t>2026/1/23</a:t>
+              <a:t>2026/1/24</a:t>
             </a:fld>
             <a:endParaRPr kumimoji="1" lang="ja-JP" altLang="en-US"/>
           </a:p>
@@ -445,7 +450,7 @@
           <a:p>
             <a:fld id="{41F47FF5-0917-4694-B8C0-1A8E8343060F}" type="datetimeFigureOut">
               <a:rPr kumimoji="1" lang="ja-JP" altLang="en-US" smtClean="0"/>
-              <a:t>2026/1/23</a:t>
+              <a:t>2026/1/24</a:t>
             </a:fld>
             <a:endParaRPr kumimoji="1" lang="ja-JP" altLang="en-US"/>
           </a:p>
@@ -657,7 +662,7 @@
           <a:p>
             <a:fld id="{41F47FF5-0917-4694-B8C0-1A8E8343060F}" type="datetimeFigureOut">
               <a:rPr kumimoji="1" lang="ja-JP" altLang="en-US" smtClean="0"/>
-              <a:t>2026/1/23</a:t>
+              <a:t>2026/1/24</a:t>
             </a:fld>
             <a:endParaRPr kumimoji="1" lang="ja-JP" altLang="en-US"/>
           </a:p>
@@ -859,7 +864,7 @@
           <a:p>
             <a:fld id="{41F47FF5-0917-4694-B8C0-1A8E8343060F}" type="datetimeFigureOut">
               <a:rPr kumimoji="1" lang="ja-JP" altLang="en-US" smtClean="0"/>
-              <a:t>2026/1/23</a:t>
+              <a:t>2026/1/24</a:t>
             </a:fld>
             <a:endParaRPr kumimoji="1" lang="ja-JP" altLang="en-US"/>
           </a:p>
@@ -1103,7 +1108,7 @@
           <a:p>
             <a:fld id="{41F47FF5-0917-4694-B8C0-1A8E8343060F}" type="datetimeFigureOut">
               <a:rPr kumimoji="1" lang="ja-JP" altLang="en-US" smtClean="0"/>
-              <a:t>2026/1/23</a:t>
+              <a:t>2026/1/24</a:t>
             </a:fld>
             <a:endParaRPr kumimoji="1" lang="ja-JP" altLang="en-US"/>
           </a:p>
@@ -1399,7 +1404,7 @@
           <a:p>
             <a:fld id="{41F47FF5-0917-4694-B8C0-1A8E8343060F}" type="datetimeFigureOut">
               <a:rPr kumimoji="1" lang="ja-JP" altLang="en-US" smtClean="0"/>
-              <a:t>2026/1/23</a:t>
+              <a:t>2026/1/24</a:t>
             </a:fld>
             <a:endParaRPr kumimoji="1" lang="ja-JP" altLang="en-US"/>
           </a:p>
@@ -1830,7 +1835,7 @@
           <a:p>
             <a:fld id="{41F47FF5-0917-4694-B8C0-1A8E8343060F}" type="datetimeFigureOut">
               <a:rPr kumimoji="1" lang="ja-JP" altLang="en-US" smtClean="0"/>
-              <a:t>2026/1/23</a:t>
+              <a:t>2026/1/24</a:t>
             </a:fld>
             <a:endParaRPr kumimoji="1" lang="ja-JP" altLang="en-US"/>
           </a:p>
@@ -1948,7 +1953,7 @@
           <a:p>
             <a:fld id="{41F47FF5-0917-4694-B8C0-1A8E8343060F}" type="datetimeFigureOut">
               <a:rPr kumimoji="1" lang="ja-JP" altLang="en-US" smtClean="0"/>
-              <a:t>2026/1/23</a:t>
+              <a:t>2026/1/24</a:t>
             </a:fld>
             <a:endParaRPr kumimoji="1" lang="ja-JP" altLang="en-US"/>
           </a:p>
@@ -2043,7 +2048,7 @@
           <a:p>
             <a:fld id="{41F47FF5-0917-4694-B8C0-1A8E8343060F}" type="datetimeFigureOut">
               <a:rPr kumimoji="1" lang="ja-JP" altLang="en-US" smtClean="0"/>
-              <a:t>2026/1/23</a:t>
+              <a:t>2026/1/24</a:t>
             </a:fld>
             <a:endParaRPr kumimoji="1" lang="ja-JP" altLang="en-US"/>
           </a:p>
@@ -2352,7 +2357,7 @@
           <a:p>
             <a:fld id="{41F47FF5-0917-4694-B8C0-1A8E8343060F}" type="datetimeFigureOut">
               <a:rPr kumimoji="1" lang="ja-JP" altLang="en-US" smtClean="0"/>
-              <a:t>2026/1/23</a:t>
+              <a:t>2026/1/24</a:t>
             </a:fld>
             <a:endParaRPr kumimoji="1" lang="ja-JP" altLang="en-US"/>
           </a:p>
@@ -2609,7 +2614,7 @@
           <a:p>
             <a:fld id="{41F47FF5-0917-4694-B8C0-1A8E8343060F}" type="datetimeFigureOut">
               <a:rPr kumimoji="1" lang="ja-JP" altLang="en-US" smtClean="0"/>
-              <a:t>2026/1/23</a:t>
+              <a:t>2026/1/24</a:t>
             </a:fld>
             <a:endParaRPr kumimoji="1" lang="ja-JP" altLang="en-US"/>
           </a:p>
@@ -2854,7 +2859,7 @@
           <a:p>
             <a:fld id="{41F47FF5-0917-4694-B8C0-1A8E8343060F}" type="datetimeFigureOut">
               <a:rPr kumimoji="1" lang="ja-JP" altLang="en-US" smtClean="0"/>
-              <a:t>2026/1/23</a:t>
+              <a:t>2026/1/24</a:t>
             </a:fld>
             <a:endParaRPr kumimoji="1" lang="ja-JP" altLang="en-US"/>
           </a:p>
@@ -3594,6 +3599,112 @@
           </a:p>
         </p:txBody>
       </p:sp>
+      <p:sp>
+        <p:nvSpPr>
+          <p:cNvPr id="4" name="テキスト ボックス 3">
+            <a:extLst>
+              <a:ext uri="{FF2B5EF4-FFF2-40B4-BE49-F238E27FC236}">
+                <a16:creationId xmlns:a16="http://schemas.microsoft.com/office/drawing/2014/main" id="{35E15602-D800-4B4B-9EB8-14AAB3D54DA5}"/>
+              </a:ext>
+            </a:extLst>
+          </p:cNvPr>
+          <p:cNvSpPr txBox="1"/>
+          <p:nvPr/>
+        </p:nvSpPr>
+        <p:spPr>
+          <a:xfrm>
+            <a:off x="-243551" y="19030359"/>
+            <a:ext cx="15605472" cy="707886"/>
+          </a:xfrm>
+          <a:prstGeom prst="rect">
+            <a:avLst/>
+          </a:prstGeom>
+          <a:noFill/>
+        </p:spPr>
+        <p:txBody>
+          <a:bodyPr wrap="square" rtlCol="0">
+            <a:spAutoFit/>
+          </a:bodyPr>
+          <a:lstStyle/>
+          <a:p>
+            <a:pPr algn="ctr"/>
+            <a:r>
+              <a:rPr kumimoji="1" lang="en-US" altLang="ja-JP" sz="4000" b="1" dirty="0">
+                <a:solidFill>
+                  <a:schemeClr val="accent1">
+                    <a:lumMod val="75000"/>
+                  </a:schemeClr>
+                </a:solidFill>
+                <a:latin typeface="ＭＳ ゴシック" panose="020B0609070205080204" pitchFamily="49" charset="-128"/>
+                <a:ea typeface="ＭＳ ゴシック" panose="020B0609070205080204" pitchFamily="49" charset="-128"/>
+              </a:rPr>
+              <a:t>Drive by DirectX12</a:t>
+            </a:r>
+            <a:endParaRPr kumimoji="1" lang="ja-JP" altLang="en-US" sz="4000" b="1" dirty="0">
+              <a:solidFill>
+                <a:schemeClr val="accent1">
+                  <a:lumMod val="75000"/>
+                </a:schemeClr>
+              </a:solidFill>
+              <a:latin typeface="ＭＳ ゴシック" panose="020B0609070205080204" pitchFamily="49" charset="-128"/>
+              <a:ea typeface="ＭＳ ゴシック" panose="020B0609070205080204" pitchFamily="49" charset="-128"/>
+            </a:endParaRPr>
+          </a:p>
+        </p:txBody>
+      </p:sp>
+      <p:sp>
+        <p:nvSpPr>
+          <p:cNvPr id="5" name="テキスト ボックス 4">
+            <a:extLst>
+              <a:ext uri="{FF2B5EF4-FFF2-40B4-BE49-F238E27FC236}">
+                <a16:creationId xmlns:a16="http://schemas.microsoft.com/office/drawing/2014/main" id="{C8DA313D-4546-472B-91AB-E45CB18148C8}"/>
+              </a:ext>
+            </a:extLst>
+          </p:cNvPr>
+          <p:cNvSpPr txBox="1"/>
+          <p:nvPr/>
+        </p:nvSpPr>
+        <p:spPr>
+          <a:xfrm>
+            <a:off x="-272714" y="18999879"/>
+            <a:ext cx="15605472" cy="707886"/>
+          </a:xfrm>
+          <a:prstGeom prst="rect">
+            <a:avLst/>
+          </a:prstGeom>
+          <a:noFill/>
+        </p:spPr>
+        <p:txBody>
+          <a:bodyPr wrap="square" rtlCol="0">
+            <a:spAutoFit/>
+          </a:bodyPr>
+          <a:lstStyle/>
+          <a:p>
+            <a:pPr algn="ctr"/>
+            <a:r>
+              <a:rPr kumimoji="1" lang="en-US" altLang="ja-JP" sz="4000" b="1" dirty="0">
+                <a:solidFill>
+                  <a:schemeClr val="bg1">
+                    <a:lumMod val="95000"/>
+                  </a:schemeClr>
+                </a:solidFill>
+                <a:latin typeface="ＭＳ ゴシック" panose="020B0609070205080204" pitchFamily="49" charset="-128"/>
+                <a:ea typeface="ＭＳ ゴシック" panose="020B0609070205080204" pitchFamily="49" charset="-128"/>
+              </a:rPr>
+              <a:t>Drive by DirectX12</a:t>
+            </a:r>
+            <a:endParaRPr kumimoji="1" lang="ja-JP" altLang="en-US" sz="4000" b="1" dirty="0">
+              <a:solidFill>
+                <a:schemeClr val="bg1">
+                  <a:lumMod val="95000"/>
+                </a:schemeClr>
+              </a:solidFill>
+              <a:latin typeface="ＭＳ ゴシック" panose="020B0609070205080204" pitchFamily="49" charset="-128"/>
+              <a:ea typeface="ＭＳ ゴシック" panose="020B0609070205080204" pitchFamily="49" charset="-128"/>
+            </a:endParaRPr>
+          </a:p>
+        </p:txBody>
+      </p:sp>
     </p:spTree>
     <p:extLst>
       <p:ext uri="{BB962C8B-B14F-4D97-AF65-F5344CB8AC3E}">

--- a/Document/ポスター.pptx
+++ b/Document/ポスター.pptx
@@ -109,6 +109,11 @@
       </a:defRPr>
     </a:lvl9pPr>
   </p:defaultTextStyle>
+  <p:extLst>
+    <p:ext uri="{EFAFB233-063F-42B5-8137-9DF3F51BA10A}">
+      <p15:sldGuideLst xmlns:p15="http://schemas.microsoft.com/office/powerpoint/2012/main"/>
+    </p:ext>
+  </p:extLst>
 </p:presentation>
 </file>
 
@@ -243,7 +248,7 @@
           <a:p>
             <a:fld id="{41F47FF5-0917-4694-B8C0-1A8E8343060F}" type="datetimeFigureOut">
               <a:rPr kumimoji="1" lang="ja-JP" altLang="en-US" smtClean="0"/>
-              <a:t>2026/1/23</a:t>
+              <a:t>2026/1/24</a:t>
             </a:fld>
             <a:endParaRPr kumimoji="1" lang="ja-JP" altLang="en-US"/>
           </a:p>
@@ -445,7 +450,7 @@
           <a:p>
             <a:fld id="{41F47FF5-0917-4694-B8C0-1A8E8343060F}" type="datetimeFigureOut">
               <a:rPr kumimoji="1" lang="ja-JP" altLang="en-US" smtClean="0"/>
-              <a:t>2026/1/23</a:t>
+              <a:t>2026/1/24</a:t>
             </a:fld>
             <a:endParaRPr kumimoji="1" lang="ja-JP" altLang="en-US"/>
           </a:p>
@@ -657,7 +662,7 @@
           <a:p>
             <a:fld id="{41F47FF5-0917-4694-B8C0-1A8E8343060F}" type="datetimeFigureOut">
               <a:rPr kumimoji="1" lang="ja-JP" altLang="en-US" smtClean="0"/>
-              <a:t>2026/1/23</a:t>
+              <a:t>2026/1/24</a:t>
             </a:fld>
             <a:endParaRPr kumimoji="1" lang="ja-JP" altLang="en-US"/>
           </a:p>
@@ -859,7 +864,7 @@
           <a:p>
             <a:fld id="{41F47FF5-0917-4694-B8C0-1A8E8343060F}" type="datetimeFigureOut">
               <a:rPr kumimoji="1" lang="ja-JP" altLang="en-US" smtClean="0"/>
-              <a:t>2026/1/23</a:t>
+              <a:t>2026/1/24</a:t>
             </a:fld>
             <a:endParaRPr kumimoji="1" lang="ja-JP" altLang="en-US"/>
           </a:p>
@@ -1103,7 +1108,7 @@
           <a:p>
             <a:fld id="{41F47FF5-0917-4694-B8C0-1A8E8343060F}" type="datetimeFigureOut">
               <a:rPr kumimoji="1" lang="ja-JP" altLang="en-US" smtClean="0"/>
-              <a:t>2026/1/23</a:t>
+              <a:t>2026/1/24</a:t>
             </a:fld>
             <a:endParaRPr kumimoji="1" lang="ja-JP" altLang="en-US"/>
           </a:p>
@@ -1399,7 +1404,7 @@
           <a:p>
             <a:fld id="{41F47FF5-0917-4694-B8C0-1A8E8343060F}" type="datetimeFigureOut">
               <a:rPr kumimoji="1" lang="ja-JP" altLang="en-US" smtClean="0"/>
-              <a:t>2026/1/23</a:t>
+              <a:t>2026/1/24</a:t>
             </a:fld>
             <a:endParaRPr kumimoji="1" lang="ja-JP" altLang="en-US"/>
           </a:p>
@@ -1830,7 +1835,7 @@
           <a:p>
             <a:fld id="{41F47FF5-0917-4694-B8C0-1A8E8343060F}" type="datetimeFigureOut">
               <a:rPr kumimoji="1" lang="ja-JP" altLang="en-US" smtClean="0"/>
-              <a:t>2026/1/23</a:t>
+              <a:t>2026/1/24</a:t>
             </a:fld>
             <a:endParaRPr kumimoji="1" lang="ja-JP" altLang="en-US"/>
           </a:p>
@@ -1948,7 +1953,7 @@
           <a:p>
             <a:fld id="{41F47FF5-0917-4694-B8C0-1A8E8343060F}" type="datetimeFigureOut">
               <a:rPr kumimoji="1" lang="ja-JP" altLang="en-US" smtClean="0"/>
-              <a:t>2026/1/23</a:t>
+              <a:t>2026/1/24</a:t>
             </a:fld>
             <a:endParaRPr kumimoji="1" lang="ja-JP" altLang="en-US"/>
           </a:p>
@@ -2043,7 +2048,7 @@
           <a:p>
             <a:fld id="{41F47FF5-0917-4694-B8C0-1A8E8343060F}" type="datetimeFigureOut">
               <a:rPr kumimoji="1" lang="ja-JP" altLang="en-US" smtClean="0"/>
-              <a:t>2026/1/23</a:t>
+              <a:t>2026/1/24</a:t>
             </a:fld>
             <a:endParaRPr kumimoji="1" lang="ja-JP" altLang="en-US"/>
           </a:p>
@@ -2352,7 +2357,7 @@
           <a:p>
             <a:fld id="{41F47FF5-0917-4694-B8C0-1A8E8343060F}" type="datetimeFigureOut">
               <a:rPr kumimoji="1" lang="ja-JP" altLang="en-US" smtClean="0"/>
-              <a:t>2026/1/23</a:t>
+              <a:t>2026/1/24</a:t>
             </a:fld>
             <a:endParaRPr kumimoji="1" lang="ja-JP" altLang="en-US"/>
           </a:p>
@@ -2609,7 +2614,7 @@
           <a:p>
             <a:fld id="{41F47FF5-0917-4694-B8C0-1A8E8343060F}" type="datetimeFigureOut">
               <a:rPr kumimoji="1" lang="ja-JP" altLang="en-US" smtClean="0"/>
-              <a:t>2026/1/23</a:t>
+              <a:t>2026/1/24</a:t>
             </a:fld>
             <a:endParaRPr kumimoji="1" lang="ja-JP" altLang="en-US"/>
           </a:p>
@@ -2854,7 +2859,7 @@
           <a:p>
             <a:fld id="{41F47FF5-0917-4694-B8C0-1A8E8343060F}" type="datetimeFigureOut">
               <a:rPr kumimoji="1" lang="ja-JP" altLang="en-US" smtClean="0"/>
-              <a:t>2026/1/23</a:t>
+              <a:t>2026/1/24</a:t>
             </a:fld>
             <a:endParaRPr kumimoji="1" lang="ja-JP" altLang="en-US"/>
           </a:p>

--- a/Document/ポスター.pptx
+++ b/Document/ポスター.pptx
@@ -248,7 +248,7 @@
           <a:p>
             <a:fld id="{41F47FF5-0917-4694-B8C0-1A8E8343060F}" type="datetimeFigureOut">
               <a:rPr kumimoji="1" lang="ja-JP" altLang="en-US" smtClean="0"/>
-              <a:t>2026/1/24</a:t>
+              <a:t>2026/2/4</a:t>
             </a:fld>
             <a:endParaRPr kumimoji="1" lang="ja-JP" altLang="en-US"/>
           </a:p>
@@ -450,7 +450,7 @@
           <a:p>
             <a:fld id="{41F47FF5-0917-4694-B8C0-1A8E8343060F}" type="datetimeFigureOut">
               <a:rPr kumimoji="1" lang="ja-JP" altLang="en-US" smtClean="0"/>
-              <a:t>2026/1/24</a:t>
+              <a:t>2026/2/4</a:t>
             </a:fld>
             <a:endParaRPr kumimoji="1" lang="ja-JP" altLang="en-US"/>
           </a:p>
@@ -662,7 +662,7 @@
           <a:p>
             <a:fld id="{41F47FF5-0917-4694-B8C0-1A8E8343060F}" type="datetimeFigureOut">
               <a:rPr kumimoji="1" lang="ja-JP" altLang="en-US" smtClean="0"/>
-              <a:t>2026/1/24</a:t>
+              <a:t>2026/2/4</a:t>
             </a:fld>
             <a:endParaRPr kumimoji="1" lang="ja-JP" altLang="en-US"/>
           </a:p>
@@ -864,7 +864,7 @@
           <a:p>
             <a:fld id="{41F47FF5-0917-4694-B8C0-1A8E8343060F}" type="datetimeFigureOut">
               <a:rPr kumimoji="1" lang="ja-JP" altLang="en-US" smtClean="0"/>
-              <a:t>2026/1/24</a:t>
+              <a:t>2026/2/4</a:t>
             </a:fld>
             <a:endParaRPr kumimoji="1" lang="ja-JP" altLang="en-US"/>
           </a:p>
@@ -1108,7 +1108,7 @@
           <a:p>
             <a:fld id="{41F47FF5-0917-4694-B8C0-1A8E8343060F}" type="datetimeFigureOut">
               <a:rPr kumimoji="1" lang="ja-JP" altLang="en-US" smtClean="0"/>
-              <a:t>2026/1/24</a:t>
+              <a:t>2026/2/4</a:t>
             </a:fld>
             <a:endParaRPr kumimoji="1" lang="ja-JP" altLang="en-US"/>
           </a:p>
@@ -1404,7 +1404,7 @@
           <a:p>
             <a:fld id="{41F47FF5-0917-4694-B8C0-1A8E8343060F}" type="datetimeFigureOut">
               <a:rPr kumimoji="1" lang="ja-JP" altLang="en-US" smtClean="0"/>
-              <a:t>2026/1/24</a:t>
+              <a:t>2026/2/4</a:t>
             </a:fld>
             <a:endParaRPr kumimoji="1" lang="ja-JP" altLang="en-US"/>
           </a:p>
@@ -1835,7 +1835,7 @@
           <a:p>
             <a:fld id="{41F47FF5-0917-4694-B8C0-1A8E8343060F}" type="datetimeFigureOut">
               <a:rPr kumimoji="1" lang="ja-JP" altLang="en-US" smtClean="0"/>
-              <a:t>2026/1/24</a:t>
+              <a:t>2026/2/4</a:t>
             </a:fld>
             <a:endParaRPr kumimoji="1" lang="ja-JP" altLang="en-US"/>
           </a:p>
@@ -1953,7 +1953,7 @@
           <a:p>
             <a:fld id="{41F47FF5-0917-4694-B8C0-1A8E8343060F}" type="datetimeFigureOut">
               <a:rPr kumimoji="1" lang="ja-JP" altLang="en-US" smtClean="0"/>
-              <a:t>2026/1/24</a:t>
+              <a:t>2026/2/4</a:t>
             </a:fld>
             <a:endParaRPr kumimoji="1" lang="ja-JP" altLang="en-US"/>
           </a:p>
@@ -2048,7 +2048,7 @@
           <a:p>
             <a:fld id="{41F47FF5-0917-4694-B8C0-1A8E8343060F}" type="datetimeFigureOut">
               <a:rPr kumimoji="1" lang="ja-JP" altLang="en-US" smtClean="0"/>
-              <a:t>2026/1/24</a:t>
+              <a:t>2026/2/4</a:t>
             </a:fld>
             <a:endParaRPr kumimoji="1" lang="ja-JP" altLang="en-US"/>
           </a:p>
@@ -2357,7 +2357,7 @@
           <a:p>
             <a:fld id="{41F47FF5-0917-4694-B8C0-1A8E8343060F}" type="datetimeFigureOut">
               <a:rPr kumimoji="1" lang="ja-JP" altLang="en-US" smtClean="0"/>
-              <a:t>2026/1/24</a:t>
+              <a:t>2026/2/4</a:t>
             </a:fld>
             <a:endParaRPr kumimoji="1" lang="ja-JP" altLang="en-US"/>
           </a:p>
@@ -2614,7 +2614,7 @@
           <a:p>
             <a:fld id="{41F47FF5-0917-4694-B8C0-1A8E8343060F}" type="datetimeFigureOut">
               <a:rPr kumimoji="1" lang="ja-JP" altLang="en-US" smtClean="0"/>
-              <a:t>2026/1/24</a:t>
+              <a:t>2026/2/4</a:t>
             </a:fld>
             <a:endParaRPr kumimoji="1" lang="ja-JP" altLang="en-US"/>
           </a:p>
@@ -2859,7 +2859,7 @@
           <a:p>
             <a:fld id="{41F47FF5-0917-4694-B8C0-1A8E8343060F}" type="datetimeFigureOut">
               <a:rPr kumimoji="1" lang="ja-JP" altLang="en-US" smtClean="0"/>
-              <a:t>2026/1/24</a:t>
+              <a:t>2026/2/4</a:t>
             </a:fld>
             <a:endParaRPr kumimoji="1" lang="ja-JP" altLang="en-US"/>
           </a:p>
@@ -3366,6 +3366,36 @@
           </a:prstGeom>
         </p:spPr>
       </p:pic>
+      <p:pic>
+        <p:nvPicPr>
+          <p:cNvPr id="3" name="図 2" descr="文字が書かれている&#10;&#10;AI 生成コンテンツは誤りを含む可能性があります。">
+            <a:extLst>
+              <a:ext uri="{FF2B5EF4-FFF2-40B4-BE49-F238E27FC236}">
+                <a16:creationId xmlns:a16="http://schemas.microsoft.com/office/drawing/2014/main" id="{47C41585-181D-77B9-A913-24693D5B8DCE}"/>
+              </a:ext>
+            </a:extLst>
+          </p:cNvPr>
+          <p:cNvPicPr>
+            <a:picLocks noChangeAspect="1"/>
+          </p:cNvPicPr>
+          <p:nvPr/>
+        </p:nvPicPr>
+        <p:blipFill>
+          <a:blip r:embed="rId3"/>
+          <a:stretch>
+            <a:fillRect/>
+          </a:stretch>
+        </p:blipFill>
+        <p:spPr>
+          <a:xfrm>
+            <a:off x="6535570" y="10239330"/>
+            <a:ext cx="2391109" cy="638264"/>
+          </a:xfrm>
+          <a:prstGeom prst="rect">
+            <a:avLst/>
+          </a:prstGeom>
+        </p:spPr>
+      </p:pic>
     </p:spTree>
     <p:extLst>
       <p:ext uri="{BB962C8B-B14F-4D97-AF65-F5344CB8AC3E}">
